--- a/Presentation/Presentation Group 14.pptx
+++ b/Presentation/Presentation Group 14.pptx
@@ -7820,8 +7820,8 @@
           <a:lstStyle/>
           <a:p>
             <a:r>
-              <a:rPr lang="en-GB" dirty="0" smtClean="0"/>
-              <a:t>Fin</a:t>
+              <a:rPr lang="en-GB" smtClean="0"/>
+              <a:t>The End</a:t>
             </a:r>
             <a:endParaRPr lang="en-GB" dirty="0"/>
           </a:p>
@@ -7948,32 +7948,76 @@
             <a:pPr algn="just"/>
             <a:r>
               <a:rPr lang="en-GB" dirty="0" smtClean="0"/>
-              <a:t>Research For tasks: (ID)Jumail, (UC)Abdul-Wahab, </a:t>
-            </a:r>
+              <a:t>Research For tasks: </a:t>
+            </a:r>
+            <a:endParaRPr lang="en-GB" dirty="0" smtClean="0"/>
           </a:p>
           <a:p>
             <a:pPr algn="just"/>
             <a:r>
+              <a:rPr lang="en-GB" sz="1200" dirty="0" smtClean="0"/>
+              <a:t>(</a:t>
+            </a:r>
+            <a:r>
+              <a:rPr lang="en-GB" sz="1200" dirty="0" smtClean="0"/>
+              <a:t>ID)Jumail, (UC)Abdul-Wahab, </a:t>
+            </a:r>
+            <a:r>
+              <a:rPr lang="en-GB" sz="1200" dirty="0"/>
+              <a:t>(</a:t>
+            </a:r>
+            <a:r>
+              <a:rPr lang="en-GB" sz="1200" dirty="0" smtClean="0"/>
+              <a:t>BF)Hasan</a:t>
+            </a:r>
+            <a:endParaRPr lang="en-GB" sz="1200" dirty="0" smtClean="0"/>
+          </a:p>
+          <a:p>
+            <a:pPr algn="just"/>
+            <a:r>
               <a:rPr lang="en-GB" dirty="0" smtClean="0"/>
-              <a:t>Code for tasks: (BF)Yufei, </a:t>
-            </a:r>
-            <a:r>
-              <a:rPr lang="en-GB" dirty="0"/>
+              <a:t>Code for tasks</a:t>
+            </a:r>
+            <a:r>
+              <a:rPr lang="en-GB" dirty="0" smtClean="0"/>
+              <a:t>:</a:t>
+            </a:r>
+          </a:p>
+          <a:p>
+            <a:pPr algn="just"/>
+            <a:r>
+              <a:rPr lang="en-GB" dirty="0" smtClean="0"/>
+              <a:t> </a:t>
+            </a:r>
+            <a:r>
+              <a:rPr lang="en-GB" sz="1200" dirty="0" smtClean="0"/>
+              <a:t>(BF)Yufei</a:t>
+            </a:r>
+            <a:r>
+              <a:rPr lang="en-GB" sz="1200" dirty="0"/>
+              <a:t>, (</a:t>
+            </a:r>
+            <a:r>
+              <a:rPr lang="en-GB" sz="1200" dirty="0" smtClean="0"/>
+              <a:t>BF)Hasan, </a:t>
+            </a:r>
+            <a:r>
+              <a:rPr lang="en-GB" sz="1200" dirty="0"/>
               <a:t>(UC)</a:t>
             </a:r>
             <a:r>
-              <a:rPr lang="en-GB" dirty="0" smtClean="0"/>
+              <a:rPr lang="en-GB" sz="1200" dirty="0" smtClean="0"/>
               <a:t>Matheus, </a:t>
             </a:r>
             <a:r>
-              <a:rPr lang="en-GB" dirty="0"/>
-              <a:t>(UC)</a:t>
-            </a:r>
-            <a:r>
-              <a:rPr lang="en-GB" dirty="0" smtClean="0"/>
-              <a:t>Abdul-Wahab</a:t>
-            </a:r>
-            <a:endParaRPr lang="en-GB" dirty="0"/>
+              <a:rPr lang="en-GB" sz="1200" dirty="0"/>
+              <a:t>(</a:t>
+            </a:r>
+            <a:r>
+              <a:rPr lang="en-GB" sz="1200" dirty="0"/>
+              <a:t>UC)Abdul-Wahab, (ID)Jumail</a:t>
+            </a:r>
+            <a:endParaRPr lang="en-GB" sz="1200" dirty="0"/>
           </a:p>
           <a:p>
             <a:pPr marL="0" indent="0" algn="just">
@@ -8072,23 +8116,15 @@
           <a:p>
             <a:r>
               <a:rPr lang="en-GB" dirty="0" smtClean="0"/>
-              <a:t>Iterative deepening </a:t>
+              <a:t>Iterative deepening depth-first search is a state space/graph searching strategy in which a limited version of the DFS is run over and over again while increasing the depth limits until the eventual goal is found. The search </a:t>
             </a:r>
             <a:r>
               <a:rPr lang="en-GB" dirty="0" smtClean="0"/>
-              <a:t>depth-first search is a state space/graph searching strategy in which a limited version of the DFS is run over and over again while increasing the depth limits until the eventual goal is found. The search </a:t>
-            </a:r>
-            <a:r>
-              <a:rPr lang="en-GB" dirty="0" err="1" smtClean="0"/>
-              <a:t>strat</a:t>
+              <a:t>start </a:t>
             </a:r>
             <a:r>
               <a:rPr lang="en-GB" dirty="0" smtClean="0"/>
-              <a:t> is just as optimal as breadth-first search, however it uses less memory and at every iteration, each node within the search tree is visited the same as DFS, but the increasing order is which the nodes are visited one by one is breadth-first as its </a:t>
-            </a:r>
-            <a:r>
-              <a:rPr lang="en-GB" smtClean="0"/>
-              <a:t>most effective.</a:t>
+              <a:t>is just as optimal as breadth-first search, however it uses less memory and at every iteration, each node within the search tree is visited the same as DFS, but the increasing order is which the nodes are visited one by one is breadth-first as its most effective.</a:t>
             </a:r>
             <a:endParaRPr lang="en-GB" dirty="0"/>
           </a:p>
@@ -8260,23 +8296,7 @@
           <a:p>
             <a:r>
               <a:rPr lang="en-GB" dirty="0" smtClean="0"/>
-              <a:t>Uniform cost is considered the best search algorithm that doesn’t involve a heuristic method type. It demands the use of priority queues, such as </a:t>
-            </a:r>
-            <a:r>
-              <a:rPr lang="en-GB" dirty="0" smtClean="0"/>
-              <a:t>DFS(Depth-first </a:t>
-            </a:r>
-            <a:r>
-              <a:rPr lang="en-GB" dirty="0" smtClean="0"/>
-              <a:t>Search) and </a:t>
-            </a:r>
-            <a:r>
-              <a:rPr lang="en-GB" dirty="0" smtClean="0"/>
-              <a:t>BFS(Breadth-first </a:t>
-            </a:r>
-            <a:r>
-              <a:rPr lang="en-GB" dirty="0" smtClean="0"/>
-              <a:t>Search). Matheus and Abdul have chosen to use a open stream reader in order to read the nodes and give the corresponding result.</a:t>
+              <a:t>Uniform cost is considered the best search algorithm that doesn’t involve a heuristic method type. It demands the use of priority queues, such as DFS(Depth-first Search) and BFS(Breadth-first Search). Matheus and Abdul have chosen to use a open stream reader in order to read the nodes and give the corresponding result.</a:t>
             </a:r>
             <a:endParaRPr lang="en-GB" dirty="0"/>
           </a:p>
